--- a/Later/JavaIO/JavaIO_117/Java File Separator.pptx
+++ b/Later/JavaIO/JavaIO_117/Java File Separator.pptx
@@ -3700,7 +3700,7 @@
         </p:nvSpPr>
         <p:spPr>
           <a:xfrm>
-            <a:off x="307975" y="1676400"/>
+            <a:off x="307975" y="2514600"/>
             <a:ext cx="8531224" cy="1015663"/>
           </a:xfrm>
           <a:prstGeom prst="rect">
@@ -3789,6 +3789,129 @@
             <a:r>
               <a:rPr lang="en-US" sz="1200" dirty="0" smtClean="0"/>
               <a:t>/</a:t>
+            </a:r>
+            <a:endParaRPr lang="en-US" sz="1200" dirty="0"/>
+          </a:p>
+        </p:txBody>
+      </p:sp>
+      <p:sp>
+        <p:nvSpPr>
+          <p:cNvPr id="2" name="Rectangle 1"/>
+          <p:cNvSpPr/>
+          <p:nvPr/>
+        </p:nvSpPr>
+        <p:spPr>
+          <a:xfrm>
+            <a:off x="1676400" y="1009650"/>
+            <a:ext cx="5638800" cy="1015663"/>
+          </a:xfrm>
+          <a:prstGeom prst="rect">
+            <a:avLst/>
+          </a:prstGeom>
+        </p:spPr>
+        <p:style>
+          <a:lnRef idx="2">
+            <a:schemeClr val="accent6"/>
+          </a:lnRef>
+          <a:fillRef idx="1">
+            <a:schemeClr val="lt1"/>
+          </a:fillRef>
+          <a:effectRef idx="0">
+            <a:schemeClr val="accent6"/>
+          </a:effectRef>
+          <a:fontRef idx="minor">
+            <a:schemeClr val="dk1"/>
+          </a:fontRef>
+        </p:style>
+        <p:txBody>
+          <a:bodyPr wrap="square">
+            <a:spAutoFit/>
+          </a:bodyPr>
+          <a:lstStyle/>
+          <a:p>
+            <a:pPr marL="228600" indent="-228600">
+              <a:buFont typeface="+mj-lt"/>
+              <a:buAutoNum type="arabicPeriod"/>
+            </a:pPr>
+            <a:r>
+              <a:rPr lang="en-US" sz="1200" dirty="0"/>
+              <a:t>File.separator</a:t>
+            </a:r>
+            <a:r>
+              <a:rPr lang="en-US" sz="1200" dirty="0"/>
+              <a:t> or </a:t>
+            </a:r>
+            <a:r>
+              <a:rPr lang="en-US" sz="1200" dirty="0"/>
+              <a:t>System.getProperty</a:t>
+            </a:r>
+            <a:r>
+              <a:rPr lang="en-US" sz="1200" dirty="0"/>
+              <a:t>(“</a:t>
+            </a:r>
+            <a:r>
+              <a:rPr lang="en-US" sz="1200" dirty="0"/>
+              <a:t>file.separator</a:t>
+            </a:r>
+            <a:r>
+              <a:rPr lang="en-US" sz="1200" dirty="0"/>
+              <a:t>”) (Recommended</a:t>
+            </a:r>
+            <a:r>
+              <a:rPr lang="en-US" sz="1200" dirty="0" smtClean="0"/>
+              <a:t>)</a:t>
+            </a:r>
+            <a:br>
+              <a:rPr lang="en-US" sz="1200" dirty="0" smtClean="0"/>
+            </a:br>
+            <a:endParaRPr lang="en-US" sz="1200" dirty="0"/>
+          </a:p>
+          <a:p>
+            <a:pPr marL="228600" indent="-228600">
+              <a:buFont typeface="+mj-lt"/>
+              <a:buAutoNum type="arabicPeriod"/>
+            </a:pPr>
+            <a:r>
+              <a:rPr lang="en-US" sz="1200" dirty="0"/>
+              <a:t>File </a:t>
+            </a:r>
+            <a:r>
+              <a:rPr lang="en-US" sz="1200" dirty="0"/>
+              <a:t>file</a:t>
+            </a:r>
+            <a:r>
+              <a:rPr lang="en-US" sz="1200" dirty="0"/>
+              <a:t> = new File(</a:t>
+            </a:r>
+            <a:r>
+              <a:rPr lang="en-US" sz="1200" dirty="0"/>
+              <a:t>workingDir</a:t>
+            </a:r>
+            <a:r>
+              <a:rPr lang="en-US" sz="1200" dirty="0"/>
+              <a:t>, filename); (Recommended</a:t>
+            </a:r>
+            <a:r>
+              <a:rPr lang="en-US" sz="1200" dirty="0" smtClean="0"/>
+              <a:t>)</a:t>
+            </a:r>
+            <a:br>
+              <a:rPr lang="en-US" sz="1200" dirty="0" smtClean="0"/>
+            </a:br>
+            <a:endParaRPr lang="en-US" sz="1200" dirty="0"/>
+          </a:p>
+          <a:p>
+            <a:pPr marL="228600" indent="-228600">
+              <a:buFont typeface="+mj-lt"/>
+              <a:buAutoNum type="arabicPeriod"/>
+            </a:pPr>
+            <a:r>
+              <a:rPr lang="en-US" sz="1200" dirty="0"/>
+              <a:t>Create the file separator manually. (Not </a:t>
+            </a:r>
+            <a:r>
+              <a:rPr lang="en-US" sz="1200" dirty="0" smtClean="0"/>
+              <a:t>recommend)</a:t>
             </a:r>
             <a:endParaRPr lang="en-US" sz="1200" dirty="0"/>
           </a:p>
